--- a/Lesson-09/EverythingJava009.pptx
+++ b/Lesson-09/EverythingJava009.pptx
@@ -5,7 +5,7 @@
     <p:sldMasterId id="2147484023" r:id="rId1"/>
   </p:sldMasterIdLst>
   <p:notesMasterIdLst>
-    <p:notesMasterId r:id="rId17"/>
+    <p:notesMasterId r:id="rId18"/>
   </p:notesMasterIdLst>
   <p:sldIdLst>
     <p:sldId id="256" r:id="rId2"/>
@@ -22,7 +22,8 @@
     <p:sldId id="357" r:id="rId13"/>
     <p:sldId id="358" r:id="rId14"/>
     <p:sldId id="359" r:id="rId15"/>
-    <p:sldId id="360" r:id="rId16"/>
+    <p:sldId id="365" r:id="rId16"/>
+    <p:sldId id="360" r:id="rId17"/>
   </p:sldIdLst>
   <p:sldSz cx="12192000" cy="6858000"/>
   <p:notesSz cx="6858000" cy="9144000"/>
@@ -13594,7 +13595,7 @@
           <a:p>
             <a:fld id="{020C70E1-5EA7-8B45-AAED-BBE2A3EAAD00}" type="datetimeFigureOut">
               <a:rPr lang="en-US" smtClean="0"/>
-              <a:t>26/05/18</a:t>
+              <a:t>17/06/18</a:t>
             </a:fld>
             <a:endParaRPr lang="en-US"/>
           </a:p>
@@ -14606,7 +14607,7 @@
           <a:p>
             <a:fld id="{5BB95726-4080-E541-BEAE-1B7D1029076C}" type="datetime1">
               <a:rPr lang="en-GB" smtClean="0"/>
-              <a:t>26/05/18</a:t>
+              <a:t>17/06/18</a:t>
             </a:fld>
             <a:endParaRPr lang="en-US" dirty="0"/>
           </a:p>
@@ -14861,7 +14862,7 @@
           <a:p>
             <a:fld id="{D5A94860-9C80-5242-B350-708CE8BCF59E}" type="datetime1">
               <a:rPr lang="en-GB" smtClean="0"/>
-              <a:t>26/05/18</a:t>
+              <a:t>17/06/18</a:t>
             </a:fld>
             <a:endParaRPr lang="en-US" dirty="0"/>
           </a:p>
@@ -15180,7 +15181,7 @@
           <a:p>
             <a:fld id="{BFE3CFD1-9937-A547-8F99-3EB42E66E15D}" type="datetime1">
               <a:rPr lang="en-GB" smtClean="0"/>
-              <a:t>26/05/18</a:t>
+              <a:t>17/06/18</a:t>
             </a:fld>
             <a:endParaRPr lang="en-US" dirty="0"/>
           </a:p>
@@ -15518,7 +15519,7 @@
           <a:p>
             <a:fld id="{94232D30-0389-6C4A-9C8B-9D6000E8562A}" type="datetime1">
               <a:rPr lang="en-GB" smtClean="0"/>
-              <a:t>26/05/18</a:t>
+              <a:t>17/06/18</a:t>
             </a:fld>
             <a:endParaRPr lang="en-US" dirty="0"/>
           </a:p>
@@ -15837,7 +15838,7 @@
           <a:p>
             <a:fld id="{958D7B55-32D1-E841-8AF9-2018C9F855E9}" type="datetime1">
               <a:rPr lang="en-GB" smtClean="0"/>
-              <a:t>26/05/18</a:t>
+              <a:t>17/06/18</a:t>
             </a:fld>
             <a:endParaRPr lang="en-US" dirty="0"/>
           </a:p>
@@ -16235,7 +16236,7 @@
           <a:p>
             <a:fld id="{9F7EEA6A-E096-6E49-936E-39E35F2FF02A}" type="datetime1">
               <a:rPr lang="en-GB" smtClean="0"/>
-              <a:t>26/05/18</a:t>
+              <a:t>17/06/18</a:t>
             </a:fld>
             <a:endParaRPr lang="en-US" dirty="0"/>
           </a:p>
@@ -16410,7 +16411,7 @@
           <a:p>
             <a:fld id="{CA9EAF35-5DCB-404F-9228-E798496AB71C}" type="datetime1">
               <a:rPr lang="en-GB" smtClean="0"/>
-              <a:t>26/05/18</a:t>
+              <a:t>17/06/18</a:t>
             </a:fld>
             <a:endParaRPr lang="en-US" dirty="0"/>
           </a:p>
@@ -16594,7 +16595,7 @@
           <a:p>
             <a:fld id="{BEA8726A-A83F-3547-90BE-C4D384C0134E}" type="datetime1">
               <a:rPr lang="en-GB" smtClean="0"/>
-              <a:t>26/05/18</a:t>
+              <a:t>17/06/18</a:t>
             </a:fld>
             <a:endParaRPr lang="en-US" dirty="0"/>
           </a:p>
@@ -16768,7 +16769,7 @@
           <a:p>
             <a:fld id="{5981E393-ACC0-C84B-A4AA-0C49C549371C}" type="datetime1">
               <a:rPr lang="en-GB" smtClean="0"/>
-              <a:t>26/05/18</a:t>
+              <a:t>17/06/18</a:t>
             </a:fld>
             <a:endParaRPr lang="en-US" dirty="0"/>
           </a:p>
@@ -17019,7 +17020,7 @@
           <a:p>
             <a:fld id="{CFF342CB-DC99-9B44-9AC1-C325F810072D}" type="datetime1">
               <a:rPr lang="en-GB" smtClean="0"/>
-              <a:t>26/05/18</a:t>
+              <a:t>17/06/18</a:t>
             </a:fld>
             <a:endParaRPr lang="en-US" dirty="0"/>
           </a:p>
@@ -17255,7 +17256,7 @@
           <a:p>
             <a:fld id="{52BD3398-E602-AA4B-BC34-ED4A80D00BEC}" type="datetime1">
               <a:rPr lang="en-GB" smtClean="0"/>
-              <a:t>26/05/18</a:t>
+              <a:t>17/06/18</a:t>
             </a:fld>
             <a:endParaRPr lang="en-US" dirty="0"/>
           </a:p>
@@ -17638,7 +17639,7 @@
           <a:p>
             <a:fld id="{818C5141-35E6-9149-8A2D-C42C6716FE97}" type="datetime1">
               <a:rPr lang="en-GB" smtClean="0"/>
-              <a:t>26/05/18</a:t>
+              <a:t>17/06/18</a:t>
             </a:fld>
             <a:endParaRPr lang="en-US" dirty="0"/>
           </a:p>
@@ -17770,7 +17771,7 @@
           <a:p>
             <a:fld id="{4E4F2F26-5B88-5442-98FE-2C90CD448B4D}" type="datetime1">
               <a:rPr lang="en-GB" smtClean="0"/>
-              <a:t>26/05/18</a:t>
+              <a:t>17/06/18</a:t>
             </a:fld>
             <a:endParaRPr lang="en-US" dirty="0"/>
           </a:p>
@@ -17869,7 +17870,7 @@
           <a:p>
             <a:fld id="{E76DF719-082F-EC4D-8745-F514A95A9285}" type="datetime1">
               <a:rPr lang="en-GB" smtClean="0"/>
-              <a:t>26/05/18</a:t>
+              <a:t>17/06/18</a:t>
             </a:fld>
             <a:endParaRPr lang="en-US" dirty="0"/>
           </a:p>
@@ -18128,7 +18129,7 @@
           <a:p>
             <a:fld id="{1E153CF5-C067-2740-8BFE-DE33D5DA4ACC}" type="datetime1">
               <a:rPr lang="en-GB" smtClean="0"/>
-              <a:t>26/05/18</a:t>
+              <a:t>17/06/18</a:t>
             </a:fld>
             <a:endParaRPr lang="en-US" dirty="0"/>
           </a:p>
@@ -18446,7 +18447,7 @@
           <a:p>
             <a:fld id="{AC0B8DE8-4990-C042-96AA-3633BDA9D1A1}" type="datetime1">
               <a:rPr lang="en-GB" smtClean="0"/>
-              <a:t>26/05/18</a:t>
+              <a:t>17/06/18</a:t>
             </a:fld>
             <a:endParaRPr lang="en-US" dirty="0"/>
           </a:p>
@@ -19148,7 +19149,7 @@
           <a:p>
             <a:fld id="{498BA932-58D6-E149-8D7E-CADC58B7B321}" type="datetime1">
               <a:rPr lang="en-GB" smtClean="0"/>
-              <a:t>26/05/18</a:t>
+              <a:t>17/06/18</a:t>
             </a:fld>
             <a:endParaRPr lang="en-US" dirty="0"/>
           </a:p>
@@ -20340,8 +20341,33 @@
                 <a:latin typeface="Courier" pitchFamily="2" charset="0"/>
                 <a:cs typeface="Calibri" panose="020F0502020204030204" pitchFamily="34" charset="0"/>
               </a:rPr>
-              <a:t>Index = [0, 4]</a:t>
-            </a:r>
+              <a:t>Index = </a:t>
+            </a:r>
+            <a:r>
+              <a:rPr lang="en-US" dirty="0" smtClean="0">
+                <a:latin typeface="Courier" pitchFamily="2" charset="0"/>
+                <a:cs typeface="Calibri" panose="020F0502020204030204" pitchFamily="34" charset="0"/>
+              </a:rPr>
+              <a:t>[[</a:t>
+            </a:r>
+            <a:r>
+              <a:rPr lang="en-US" dirty="0" smtClean="0">
+                <a:latin typeface="Courier" pitchFamily="2" charset="0"/>
+                <a:cs typeface="Calibri" panose="020F0502020204030204" pitchFamily="34" charset="0"/>
+              </a:rPr>
+              <a:t>0, 4</a:t>
+            </a:r>
+            <a:r>
+              <a:rPr lang="en-US" dirty="0" smtClean="0">
+                <a:latin typeface="Courier" pitchFamily="2" charset="0"/>
+                <a:cs typeface="Calibri" panose="020F0502020204030204" pitchFamily="34" charset="0"/>
+              </a:rPr>
+              <a:t>]]</a:t>
+            </a:r>
+            <a:endParaRPr lang="en-US" dirty="0" smtClean="0">
+              <a:latin typeface="Courier" pitchFamily="2" charset="0"/>
+              <a:cs typeface="Calibri" panose="020F0502020204030204" pitchFamily="34" charset="0"/>
+            </a:endParaRPr>
           </a:p>
         </p:txBody>
       </p:sp>
@@ -21060,6 +21086,155 @@
 </file>
 
 <file path=ppt/slides/slide15.xml><?xml version="1.0" encoding="utf-8"?>
+<p:sld xmlns:a="http://schemas.openxmlformats.org/drawingml/2006/main" xmlns:r="http://schemas.openxmlformats.org/officeDocument/2006/relationships" xmlns:p="http://schemas.openxmlformats.org/presentationml/2006/main">
+  <p:cSld>
+    <p:spTree>
+      <p:nvGrpSpPr>
+        <p:cNvPr id="1" name=""/>
+        <p:cNvGrpSpPr/>
+        <p:nvPr/>
+      </p:nvGrpSpPr>
+      <p:grpSpPr>
+        <a:xfrm>
+          <a:off x="0" y="0"/>
+          <a:ext cx="0" cy="0"/>
+          <a:chOff x="0" y="0"/>
+          <a:chExt cx="0" cy="0"/>
+        </a:xfrm>
+      </p:grpSpPr>
+      <p:sp>
+        <p:nvSpPr>
+          <p:cNvPr id="2" name="Title 1">
+            <a:extLst>
+              <a:ext uri="{FF2B5EF4-FFF2-40B4-BE49-F238E27FC236}">
+                <a16:creationId xmlns:a16="http://schemas.microsoft.com/office/drawing/2014/main" xmlns="" id="{7A16956F-B673-7E49-BABD-E7CA149212BD}"/>
+              </a:ext>
+            </a:extLst>
+          </p:cNvPr>
+          <p:cNvSpPr>
+            <a:spLocks noGrp="1"/>
+          </p:cNvSpPr>
+          <p:nvPr>
+            <p:ph type="title"/>
+          </p:nvPr>
+        </p:nvSpPr>
+        <p:spPr/>
+        <p:txBody>
+          <a:bodyPr/>
+          <a:lstStyle/>
+          <a:p>
+            <a:r>
+              <a:rPr lang="en-US" dirty="0"/>
+              <a:t>Challenge </a:t>
+            </a:r>
+            <a:r>
+              <a:rPr lang="en-US" dirty="0" smtClean="0"/>
+              <a:t>02 </a:t>
+            </a:r>
+            <a:r>
+              <a:rPr lang="mr-IN" dirty="0" smtClean="0"/>
+              <a:t>–</a:t>
+            </a:r>
+            <a:r>
+              <a:rPr lang="en-US" dirty="0" smtClean="0"/>
+              <a:t> Super squares</a:t>
+            </a:r>
+            <a:endParaRPr lang="en-US" dirty="0"/>
+          </a:p>
+        </p:txBody>
+      </p:sp>
+      <p:sp>
+        <p:nvSpPr>
+          <p:cNvPr id="3" name="Content Placeholder 2">
+            <a:extLst>
+              <a:ext uri="{FF2B5EF4-FFF2-40B4-BE49-F238E27FC236}">
+                <a16:creationId xmlns:a16="http://schemas.microsoft.com/office/drawing/2014/main" xmlns="" id="{06B9572B-1696-1047-89B6-573AE8104050}"/>
+              </a:ext>
+            </a:extLst>
+          </p:cNvPr>
+          <p:cNvSpPr>
+            <a:spLocks noGrp="1"/>
+          </p:cNvSpPr>
+          <p:nvPr>
+            <p:ph idx="1"/>
+          </p:nvPr>
+        </p:nvSpPr>
+        <p:spPr/>
+        <p:txBody>
+          <a:bodyPr>
+            <a:normAutofit/>
+          </a:bodyPr>
+          <a:lstStyle/>
+          <a:p>
+            <a:r>
+              <a:rPr lang="en-US" dirty="0" smtClean="0"/>
+              <a:t>Part iv: Create a visual output of your results from part iii, either using the console or </a:t>
+            </a:r>
+            <a:r>
+              <a:rPr lang="en-US" dirty="0" err="1" smtClean="0"/>
+              <a:t>JavaFX</a:t>
+            </a:r>
+            <a:r>
+              <a:rPr lang="en-US" dirty="0" smtClean="0"/>
+              <a:t>.</a:t>
+            </a:r>
+            <a:endParaRPr lang="en-US" dirty="0" smtClean="0">
+              <a:latin typeface="Courier" pitchFamily="2" charset="0"/>
+              <a:cs typeface="Calibri" panose="020F0502020204030204" pitchFamily="34" charset="0"/>
+            </a:endParaRPr>
+          </a:p>
+        </p:txBody>
+      </p:sp>
+      <p:sp>
+        <p:nvSpPr>
+          <p:cNvPr id="4" name="Footer Placeholder 3">
+            <a:extLst>
+              <a:ext uri="{FF2B5EF4-FFF2-40B4-BE49-F238E27FC236}">
+                <a16:creationId xmlns:a16="http://schemas.microsoft.com/office/drawing/2014/main" xmlns="" id="{4B5F23D2-40F7-644D-8CAB-D16B395DE912}"/>
+              </a:ext>
+            </a:extLst>
+          </p:cNvPr>
+          <p:cNvSpPr>
+            <a:spLocks noGrp="1"/>
+          </p:cNvSpPr>
+          <p:nvPr>
+            <p:ph type="ftr" sz="quarter" idx="11"/>
+          </p:nvPr>
+        </p:nvSpPr>
+        <p:spPr/>
+        <p:txBody>
+          <a:bodyPr/>
+          <a:lstStyle/>
+          <a:p>
+            <a:r>
+              <a:rPr lang="en-US"/>
+              <a:t>© 2018 Matt Weeks, All Rights Reserved</a:t>
+            </a:r>
+            <a:endParaRPr lang="en-US" dirty="0"/>
+          </a:p>
+        </p:txBody>
+      </p:sp>
+    </p:spTree>
+    <p:extLst>
+      <p:ext uri="{BB962C8B-B14F-4D97-AF65-F5344CB8AC3E}">
+        <p14:creationId xmlns:p14="http://schemas.microsoft.com/office/powerpoint/2010/main" val="3167825917"/>
+      </p:ext>
+    </p:extLst>
+  </p:cSld>
+  <p:clrMapOvr>
+    <a:masterClrMapping/>
+  </p:clrMapOvr>
+  <p:timing>
+    <p:tnLst>
+      <p:par>
+        <p:cTn xmlns:p14="http://schemas.microsoft.com/office/powerpoint/2010/main" id="1" dur="indefinite" restart="never" nodeType="tmRoot"/>
+      </p:par>
+    </p:tnLst>
+  </p:timing>
+</p:sld>
+</file>
+
+<file path=ppt/slides/slide16.xml><?xml version="1.0" encoding="utf-8"?>
 <p:sld xmlns:a="http://schemas.openxmlformats.org/drawingml/2006/main" xmlns:r="http://schemas.openxmlformats.org/officeDocument/2006/relationships" xmlns:p="http://schemas.openxmlformats.org/presentationml/2006/main">
   <p:cSld>
     <p:spTree>
